--- a/Cascading Style Sheets (CSS).pptx
+++ b/Cascading Style Sheets (CSS).pptx
@@ -1,21 +1,21 @@
 
 <file path=ppt/presentation.xml><?xml version="1.0" encoding="utf-8"?>
-<p:presentation xmlns:a="http://schemas.openxmlformats.org/drawingml/2006/main" xmlns:r="http://schemas.openxmlformats.org/officeDocument/2006/relationships" xmlns:p="http://schemas.openxmlformats.org/presentationml/2006/main" saveSubsetFonts="1">
+<p:presentation xmlns:a="http://schemas.openxmlformats.org/drawingml/2006/main" xmlns:r="http://schemas.openxmlformats.org/officeDocument/2006/relationships" xmlns:p="http://schemas.openxmlformats.org/presentationml/2006/main">
   <p:sldMasterIdLst>
-    <p:sldMasterId id="2147483660" r:id="rId1"/>
+    <p:sldMasterId id="2147483648" r:id="rId1"/>
   </p:sldMasterIdLst>
   <p:sldIdLst>
-    <p:sldId id="336" r:id="rId2"/>
-    <p:sldId id="342" r:id="rId3"/>
-    <p:sldId id="295" r:id="rId4"/>
-    <p:sldId id="338" r:id="rId5"/>
-    <p:sldId id="339" r:id="rId6"/>
-    <p:sldId id="337" r:id="rId7"/>
-    <p:sldId id="334" r:id="rId8"/>
-    <p:sldId id="333" r:id="rId9"/>
-    <p:sldId id="296" r:id="rId10"/>
-    <p:sldId id="331" r:id="rId11"/>
-    <p:sldId id="329" r:id="rId12"/>
+    <p:sldId id="336" r:id="rId3"/>
+    <p:sldId id="342" r:id="rId4"/>
+    <p:sldId id="295" r:id="rId5"/>
+    <p:sldId id="338" r:id="rId6"/>
+    <p:sldId id="339" r:id="rId7"/>
+    <p:sldId id="337" r:id="rId8"/>
+    <p:sldId id="334" r:id="rId9"/>
+    <p:sldId id="333" r:id="rId10"/>
+    <p:sldId id="296" r:id="rId11"/>
+    <p:sldId id="331" r:id="rId12"/>
+    <p:sldId id="329" r:id="rId13"/>
   </p:sldIdLst>
   <p:sldSz cx="12192000" cy="6858000"/>
   <p:notesSz cx="6858000" cy="9144000"/>
@@ -118,7 +118,7 @@
 </file>
 
 <file path=ppt/slideLayouts/slideLayout1.xml><?xml version="1.0" encoding="utf-8"?>
-<p:sldLayout xmlns:a="http://schemas.openxmlformats.org/drawingml/2006/main" xmlns:r="http://schemas.openxmlformats.org/officeDocument/2006/relationships" xmlns:p="http://schemas.openxmlformats.org/presentationml/2006/main" showMasterSp="0" type="title" preserve="1">
+<p:sldLayout xmlns:a="http://schemas.openxmlformats.org/drawingml/2006/main" xmlns:r="http://schemas.openxmlformats.org/officeDocument/2006/relationships" xmlns:p="http://schemas.openxmlformats.org/presentationml/2006/main" type="title" preserve="1" showMasterSp="0">
   <p:cSld name="Title Slide">
     <p:spTree>
       <p:nvGrpSpPr>
@@ -229,7 +229,9 @@
               </a:extLst>
             </a:blip>
             <a:srcRect/>
-            <a:stretch/>
+            <a:stretch>
+              <a:fillRect/>
+            </a:stretch>
           </p:blipFill>
           <p:spPr>
             <a:xfrm>
@@ -258,7 +260,9 @@
               </a:extLst>
             </a:blip>
             <a:srcRect/>
-            <a:stretch/>
+            <a:stretch>
+              <a:fillRect/>
+            </a:stretch>
           </p:blipFill>
           <p:spPr>
             <a:xfrm>
@@ -448,7 +452,6 @@
           <a:p>
             <a:fld id="{DEEC94E7-E65E-4722-8564-756EC8416D2D}" type="datetimeFigureOut">
               <a:rPr lang="en-US" smtClean="0"/>
-              <a:t>7/30/2023</a:t>
             </a:fld>
             <a:endParaRPr lang="en-US"/>
           </a:p>
@@ -500,7 +503,6 @@
           <a:p>
             <a:fld id="{4465AA67-8623-4F1C-A9C2-BF022B7A9ECD}" type="slidenum">
               <a:rPr lang="en-US" smtClean="0"/>
-              <a:t>‹#›</a:t>
             </a:fld>
             <a:endParaRPr lang="en-US"/>
           </a:p>
@@ -537,11 +539,6 @@
         </p:style>
       </p:cxnSp>
     </p:spTree>
-    <p:extLst>
-      <p:ext uri="{BB962C8B-B14F-4D97-AF65-F5344CB8AC3E}">
-        <p14:creationId xmlns:p14="http://schemas.microsoft.com/office/powerpoint/2010/main" val="896992169"/>
-      </p:ext>
-    </p:extLst>
   </p:cSld>
   <p:clrMapOvr>
     <a:masterClrMapping/>
@@ -752,6 +749,7 @@
               <a:rPr lang="en-US"/>
               <a:t>Edit Master text styles</a:t>
             </a:r>
+            <a:endParaRPr lang="en-US"/>
           </a:p>
         </p:txBody>
       </p:sp>
@@ -772,7 +770,6 @@
           <a:p>
             <a:fld id="{DEEC94E7-E65E-4722-8564-756EC8416D2D}" type="datetimeFigureOut">
               <a:rPr lang="en-US" smtClean="0"/>
-              <a:t>7/30/2023</a:t>
             </a:fld>
             <a:endParaRPr lang="en-US"/>
           </a:p>
@@ -814,18 +811,12 @@
           <a:p>
             <a:fld id="{4465AA67-8623-4F1C-A9C2-BF022B7A9ECD}" type="slidenum">
               <a:rPr lang="en-US" smtClean="0"/>
-              <a:t>‹#›</a:t>
             </a:fld>
             <a:endParaRPr lang="en-US"/>
           </a:p>
         </p:txBody>
       </p:sp>
     </p:spTree>
-    <p:extLst>
-      <p:ext uri="{BB962C8B-B14F-4D97-AF65-F5344CB8AC3E}">
-        <p14:creationId xmlns:p14="http://schemas.microsoft.com/office/powerpoint/2010/main" val="4201538942"/>
-      </p:ext>
-    </p:extLst>
   </p:cSld>
   <p:clrMapOvr>
     <a:masterClrMapping/>
@@ -1000,6 +991,7 @@
               <a:rPr lang="en-US"/>
               <a:t>Edit Master text styles</a:t>
             </a:r>
+            <a:endParaRPr lang="en-US"/>
           </a:p>
         </p:txBody>
       </p:sp>
@@ -1020,7 +1012,6 @@
           <a:p>
             <a:fld id="{DEEC94E7-E65E-4722-8564-756EC8416D2D}" type="datetimeFigureOut">
               <a:rPr lang="en-US" smtClean="0"/>
-              <a:t>7/30/2023</a:t>
             </a:fld>
             <a:endParaRPr lang="en-US"/>
           </a:p>
@@ -1062,7 +1053,6 @@
           <a:p>
             <a:fld id="{4465AA67-8623-4F1C-A9C2-BF022B7A9ECD}" type="slidenum">
               <a:rPr lang="en-US" smtClean="0"/>
-              <a:t>‹#›</a:t>
             </a:fld>
             <a:endParaRPr lang="en-US"/>
           </a:p>
@@ -1100,11 +1090,6 @@
         </p:style>
       </p:cxnSp>
     </p:spTree>
-    <p:extLst>
-      <p:ext uri="{BB962C8B-B14F-4D97-AF65-F5344CB8AC3E}">
-        <p14:creationId xmlns:p14="http://schemas.microsoft.com/office/powerpoint/2010/main" val="752164916"/>
-      </p:ext>
-    </p:extLst>
   </p:cSld>
   <p:clrMapOvr>
     <a:masterClrMapping/>
@@ -1220,6 +1205,7 @@
               <a:rPr lang="en-US"/>
               <a:t>Edit Master text styles</a:t>
             </a:r>
+            <a:endParaRPr lang="en-US"/>
           </a:p>
         </p:txBody>
       </p:sp>
@@ -1339,6 +1325,7 @@
               <a:rPr lang="en-US"/>
               <a:t>Edit Master text styles</a:t>
             </a:r>
+            <a:endParaRPr lang="en-US"/>
           </a:p>
         </p:txBody>
       </p:sp>
@@ -1359,7 +1346,6 @@
           <a:p>
             <a:fld id="{DEEC94E7-E65E-4722-8564-756EC8416D2D}" type="datetimeFigureOut">
               <a:rPr lang="en-US" smtClean="0"/>
-              <a:t>7/30/2023</a:t>
             </a:fld>
             <a:endParaRPr lang="en-US"/>
           </a:p>
@@ -1401,7 +1387,6 @@
           <a:p>
             <a:fld id="{4465AA67-8623-4F1C-A9C2-BF022B7A9ECD}" type="slidenum">
               <a:rPr lang="en-US" smtClean="0"/>
-              <a:t>‹#›</a:t>
             </a:fld>
             <a:endParaRPr lang="en-US"/>
           </a:p>
@@ -1438,6 +1423,12 @@
               </a:rPr>
               <a:t>“</a:t>
             </a:r>
+            <a:endParaRPr lang="en-US" sz="8000" dirty="0">
+              <a:solidFill>
+                <a:schemeClr val="tx1"/>
+              </a:solidFill>
+              <a:effectLst/>
+            </a:endParaRPr>
           </a:p>
         </p:txBody>
       </p:sp>
@@ -1472,6 +1463,12 @@
               </a:rPr>
               <a:t>”</a:t>
             </a:r>
+            <a:endParaRPr lang="en-US" sz="8000" dirty="0">
+              <a:solidFill>
+                <a:schemeClr val="tx1"/>
+              </a:solidFill>
+              <a:effectLst/>
+            </a:endParaRPr>
           </a:p>
         </p:txBody>
       </p:sp>
@@ -1507,11 +1504,6 @@
         </p:style>
       </p:cxnSp>
     </p:spTree>
-    <p:extLst>
-      <p:ext uri="{BB962C8B-B14F-4D97-AF65-F5344CB8AC3E}">
-        <p14:creationId xmlns:p14="http://schemas.microsoft.com/office/powerpoint/2010/main" val="417469837"/>
-      </p:ext>
-    </p:extLst>
   </p:cSld>
   <p:clrMapOvr>
     <a:masterClrMapping/>
@@ -1686,6 +1678,7 @@
               <a:rPr lang="en-US"/>
               <a:t>Edit Master text styles</a:t>
             </a:r>
+            <a:endParaRPr lang="en-US"/>
           </a:p>
         </p:txBody>
       </p:sp>
@@ -1706,7 +1699,6 @@
           <a:p>
             <a:fld id="{DEEC94E7-E65E-4722-8564-756EC8416D2D}" type="datetimeFigureOut">
               <a:rPr lang="en-US" smtClean="0"/>
-              <a:t>7/30/2023</a:t>
             </a:fld>
             <a:endParaRPr lang="en-US"/>
           </a:p>
@@ -1748,18 +1740,12 @@
           <a:p>
             <a:fld id="{4465AA67-8623-4F1C-A9C2-BF022B7A9ECD}" type="slidenum">
               <a:rPr lang="en-US" smtClean="0"/>
-              <a:t>‹#›</a:t>
             </a:fld>
             <a:endParaRPr lang="en-US"/>
           </a:p>
         </p:txBody>
       </p:sp>
     </p:spTree>
-    <p:extLst>
-      <p:ext uri="{BB962C8B-B14F-4D97-AF65-F5344CB8AC3E}">
-        <p14:creationId xmlns:p14="http://schemas.microsoft.com/office/powerpoint/2010/main" val="3419393493"/>
-      </p:ext>
-    </p:extLst>
   </p:cSld>
   <p:clrMapOvr>
     <a:masterClrMapping/>
@@ -1941,6 +1927,7 @@
               <a:rPr lang="en-US"/>
               <a:t>Edit Master text styles</a:t>
             </a:r>
+            <a:endParaRPr lang="en-US"/>
           </a:p>
         </p:txBody>
       </p:sp>
@@ -2060,6 +2047,7 @@
               <a:rPr lang="en-US"/>
               <a:t>Edit Master text styles</a:t>
             </a:r>
+            <a:endParaRPr lang="en-US"/>
           </a:p>
         </p:txBody>
       </p:sp>
@@ -2080,7 +2068,6 @@
           <a:p>
             <a:fld id="{DEEC94E7-E65E-4722-8564-756EC8416D2D}" type="datetimeFigureOut">
               <a:rPr lang="en-US" smtClean="0"/>
-              <a:t>7/30/2023</a:t>
             </a:fld>
             <a:endParaRPr lang="en-US"/>
           </a:p>
@@ -2122,7 +2109,6 @@
           <a:p>
             <a:fld id="{4465AA67-8623-4F1C-A9C2-BF022B7A9ECD}" type="slidenum">
               <a:rPr lang="en-US" smtClean="0"/>
-              <a:t>‹#›</a:t>
             </a:fld>
             <a:endParaRPr lang="en-US"/>
           </a:p>
@@ -2159,6 +2145,12 @@
               </a:rPr>
               <a:t>“</a:t>
             </a:r>
+            <a:endParaRPr lang="en-US" sz="8000" dirty="0">
+              <a:solidFill>
+                <a:schemeClr val="tx1"/>
+              </a:solidFill>
+              <a:effectLst/>
+            </a:endParaRPr>
           </a:p>
         </p:txBody>
       </p:sp>
@@ -2193,6 +2185,12 @@
               </a:rPr>
               <a:t>”</a:t>
             </a:r>
+            <a:endParaRPr lang="en-US" sz="8000" dirty="0">
+              <a:solidFill>
+                <a:schemeClr val="tx1"/>
+              </a:solidFill>
+              <a:effectLst/>
+            </a:endParaRPr>
           </a:p>
         </p:txBody>
       </p:sp>
@@ -2228,11 +2226,6 @@
         </p:style>
       </p:cxnSp>
     </p:spTree>
-    <p:extLst>
-      <p:ext uri="{BB962C8B-B14F-4D97-AF65-F5344CB8AC3E}">
-        <p14:creationId xmlns:p14="http://schemas.microsoft.com/office/powerpoint/2010/main" val="3723589172"/>
-      </p:ext>
-    </p:extLst>
   </p:cSld>
   <p:clrMapOvr>
     <a:masterClrMapping/>
@@ -2411,6 +2404,7 @@
               <a:rPr lang="en-US"/>
               <a:t>Edit Master text styles</a:t>
             </a:r>
+            <a:endParaRPr lang="en-US"/>
           </a:p>
         </p:txBody>
       </p:sp>
@@ -2530,6 +2524,7 @@
               <a:rPr lang="en-US"/>
               <a:t>Edit Master text styles</a:t>
             </a:r>
+            <a:endParaRPr lang="en-US"/>
           </a:p>
         </p:txBody>
       </p:sp>
@@ -2550,7 +2545,6 @@
           <a:p>
             <a:fld id="{DEEC94E7-E65E-4722-8564-756EC8416D2D}" type="datetimeFigureOut">
               <a:rPr lang="en-US" smtClean="0"/>
-              <a:t>7/30/2023</a:t>
             </a:fld>
             <a:endParaRPr lang="en-US"/>
           </a:p>
@@ -2592,7 +2586,6 @@
           <a:p>
             <a:fld id="{4465AA67-8623-4F1C-A9C2-BF022B7A9ECD}" type="slidenum">
               <a:rPr lang="en-US" smtClean="0"/>
-              <a:t>‹#›</a:t>
             </a:fld>
             <a:endParaRPr lang="en-US"/>
           </a:p>
@@ -2630,11 +2623,6 @@
         </p:style>
       </p:cxnSp>
     </p:spTree>
-    <p:extLst>
-      <p:ext uri="{BB962C8B-B14F-4D97-AF65-F5344CB8AC3E}">
-        <p14:creationId xmlns:p14="http://schemas.microsoft.com/office/powerpoint/2010/main" val="1017266701"/>
-      </p:ext>
-    </p:extLst>
   </p:cSld>
   <p:clrMapOvr>
     <a:masterClrMapping/>
@@ -2706,6 +2694,7 @@
               <a:rPr lang="en-US"/>
               <a:t>Edit Master text styles</a:t>
             </a:r>
+            <a:endParaRPr lang="en-US"/>
           </a:p>
           <a:p>
             <a:pPr lvl="1"/>
@@ -2713,6 +2702,7 @@
               <a:rPr lang="en-US"/>
               <a:t>Second level</a:t>
             </a:r>
+            <a:endParaRPr lang="en-US"/>
           </a:p>
           <a:p>
             <a:pPr lvl="2"/>
@@ -2720,6 +2710,7 @@
               <a:rPr lang="en-US"/>
               <a:t>Third level</a:t>
             </a:r>
+            <a:endParaRPr lang="en-US"/>
           </a:p>
           <a:p>
             <a:pPr lvl="3"/>
@@ -2727,6 +2718,7 @@
               <a:rPr lang="en-US"/>
               <a:t>Fourth level</a:t>
             </a:r>
+            <a:endParaRPr lang="en-US"/>
           </a:p>
           <a:p>
             <a:pPr lvl="4"/>
@@ -2755,7 +2747,6 @@
           <a:p>
             <a:fld id="{DEEC94E7-E65E-4722-8564-756EC8416D2D}" type="datetimeFigureOut">
               <a:rPr lang="en-US" smtClean="0"/>
-              <a:t>7/30/2023</a:t>
             </a:fld>
             <a:endParaRPr lang="en-US"/>
           </a:p>
@@ -2797,7 +2788,6 @@
           <a:p>
             <a:fld id="{4465AA67-8623-4F1C-A9C2-BF022B7A9ECD}" type="slidenum">
               <a:rPr lang="en-US" smtClean="0"/>
-              <a:t>‹#›</a:t>
             </a:fld>
             <a:endParaRPr lang="en-US"/>
           </a:p>
@@ -2835,11 +2825,6 @@
         </p:style>
       </p:cxnSp>
     </p:spTree>
-    <p:extLst>
-      <p:ext uri="{BB962C8B-B14F-4D97-AF65-F5344CB8AC3E}">
-        <p14:creationId xmlns:p14="http://schemas.microsoft.com/office/powerpoint/2010/main" val="83664818"/>
-      </p:ext>
-    </p:extLst>
   </p:cSld>
   <p:clrMapOvr>
     <a:masterClrMapping/>
@@ -2917,6 +2902,7 @@
               <a:rPr lang="en-US"/>
               <a:t>Edit Master text styles</a:t>
             </a:r>
+            <a:endParaRPr lang="en-US"/>
           </a:p>
           <a:p>
             <a:pPr lvl="1"/>
@@ -2924,6 +2910,7 @@
               <a:rPr lang="en-US"/>
               <a:t>Second level</a:t>
             </a:r>
+            <a:endParaRPr lang="en-US"/>
           </a:p>
           <a:p>
             <a:pPr lvl="2"/>
@@ -2931,6 +2918,7 @@
               <a:rPr lang="en-US"/>
               <a:t>Third level</a:t>
             </a:r>
+            <a:endParaRPr lang="en-US"/>
           </a:p>
           <a:p>
             <a:pPr lvl="3"/>
@@ -2938,6 +2926,7 @@
               <a:rPr lang="en-US"/>
               <a:t>Fourth level</a:t>
             </a:r>
+            <a:endParaRPr lang="en-US"/>
           </a:p>
           <a:p>
             <a:pPr lvl="4"/>
@@ -2966,7 +2955,6 @@
           <a:p>
             <a:fld id="{DEEC94E7-E65E-4722-8564-756EC8416D2D}" type="datetimeFigureOut">
               <a:rPr lang="en-US" smtClean="0"/>
-              <a:t>7/30/2023</a:t>
             </a:fld>
             <a:endParaRPr lang="en-US"/>
           </a:p>
@@ -3008,7 +2996,6 @@
           <a:p>
             <a:fld id="{4465AA67-8623-4F1C-A9C2-BF022B7A9ECD}" type="slidenum">
               <a:rPr lang="en-US" smtClean="0"/>
-              <a:t>‹#›</a:t>
             </a:fld>
             <a:endParaRPr lang="en-US"/>
           </a:p>
@@ -3046,11 +3033,6 @@
         </p:style>
       </p:cxnSp>
     </p:spTree>
-    <p:extLst>
-      <p:ext uri="{BB962C8B-B14F-4D97-AF65-F5344CB8AC3E}">
-        <p14:creationId xmlns:p14="http://schemas.microsoft.com/office/powerpoint/2010/main" val="1115573063"/>
-      </p:ext>
-    </p:extLst>
   </p:cSld>
   <p:clrMapOvr>
     <a:masterClrMapping/>
@@ -3149,6 +3131,7 @@
               <a:rPr lang="en-US"/>
               <a:t>Edit Master text styles</a:t>
             </a:r>
+            <a:endParaRPr lang="en-US"/>
           </a:p>
           <a:p>
             <a:pPr lvl="1"/>
@@ -3156,6 +3139,7 @@
               <a:rPr lang="en-US"/>
               <a:t>Second level</a:t>
             </a:r>
+            <a:endParaRPr lang="en-US"/>
           </a:p>
           <a:p>
             <a:pPr lvl="2"/>
@@ -3163,6 +3147,7 @@
               <a:rPr lang="en-US"/>
               <a:t>Third level</a:t>
             </a:r>
+            <a:endParaRPr lang="en-US"/>
           </a:p>
           <a:p>
             <a:pPr lvl="3"/>
@@ -3170,6 +3155,7 @@
               <a:rPr lang="en-US"/>
               <a:t>Fourth level</a:t>
             </a:r>
+            <a:endParaRPr lang="en-US"/>
           </a:p>
           <a:p>
             <a:pPr lvl="4"/>
@@ -3198,7 +3184,6 @@
           <a:p>
             <a:fld id="{DEEC94E7-E65E-4722-8564-756EC8416D2D}" type="datetimeFigureOut">
               <a:rPr lang="en-US" smtClean="0"/>
-              <a:t>7/30/2023</a:t>
             </a:fld>
             <a:endParaRPr lang="en-US"/>
           </a:p>
@@ -3240,18 +3225,12 @@
           <a:p>
             <a:fld id="{4465AA67-8623-4F1C-A9C2-BF022B7A9ECD}" type="slidenum">
               <a:rPr lang="en-US" smtClean="0"/>
-              <a:t>‹#›</a:t>
             </a:fld>
             <a:endParaRPr lang="en-US"/>
           </a:p>
         </p:txBody>
       </p:sp>
     </p:spTree>
-    <p:extLst>
-      <p:ext uri="{BB962C8B-B14F-4D97-AF65-F5344CB8AC3E}">
-        <p14:creationId xmlns:p14="http://schemas.microsoft.com/office/powerpoint/2010/main" val="2030010711"/>
-      </p:ext>
-    </p:extLst>
   </p:cSld>
   <p:clrMapOvr>
     <a:masterClrMapping/>
@@ -3426,6 +3405,7 @@
               <a:rPr lang="en-US"/>
               <a:t>Edit Master text styles</a:t>
             </a:r>
+            <a:endParaRPr lang="en-US"/>
           </a:p>
         </p:txBody>
       </p:sp>
@@ -3446,7 +3426,6 @@
           <a:p>
             <a:fld id="{DEEC94E7-E65E-4722-8564-756EC8416D2D}" type="datetimeFigureOut">
               <a:rPr lang="en-US" smtClean="0"/>
-              <a:t>7/30/2023</a:t>
             </a:fld>
             <a:endParaRPr lang="en-US"/>
           </a:p>
@@ -3488,7 +3467,6 @@
           <a:p>
             <a:fld id="{4465AA67-8623-4F1C-A9C2-BF022B7A9ECD}" type="slidenum">
               <a:rPr lang="en-US" smtClean="0"/>
-              <a:t>‹#›</a:t>
             </a:fld>
             <a:endParaRPr lang="en-US"/>
           </a:p>
@@ -3526,11 +3504,6 @@
         </p:style>
       </p:cxnSp>
     </p:spTree>
-    <p:extLst>
-      <p:ext uri="{BB962C8B-B14F-4D97-AF65-F5344CB8AC3E}">
-        <p14:creationId xmlns:p14="http://schemas.microsoft.com/office/powerpoint/2010/main" val="3707711511"/>
-      </p:ext>
-    </p:extLst>
   </p:cSld>
   <p:clrMapOvr>
     <a:masterClrMapping/>
@@ -3636,6 +3609,7 @@
               <a:rPr lang="en-US"/>
               <a:t>Edit Master text styles</a:t>
             </a:r>
+            <a:endParaRPr lang="en-US"/>
           </a:p>
           <a:p>
             <a:pPr lvl="1"/>
@@ -3643,6 +3617,7 @@
               <a:rPr lang="en-US"/>
               <a:t>Second level</a:t>
             </a:r>
+            <a:endParaRPr lang="en-US"/>
           </a:p>
           <a:p>
             <a:pPr lvl="2"/>
@@ -3650,6 +3625,7 @@
               <a:rPr lang="en-US"/>
               <a:t>Third level</a:t>
             </a:r>
+            <a:endParaRPr lang="en-US"/>
           </a:p>
           <a:p>
             <a:pPr lvl="3"/>
@@ -3657,6 +3633,7 @@
               <a:rPr lang="en-US"/>
               <a:t>Fourth level</a:t>
             </a:r>
+            <a:endParaRPr lang="en-US"/>
           </a:p>
           <a:p>
             <a:pPr lvl="4"/>
@@ -3695,6 +3672,7 @@
               <a:rPr lang="en-US"/>
               <a:t>Edit Master text styles</a:t>
             </a:r>
+            <a:endParaRPr lang="en-US"/>
           </a:p>
           <a:p>
             <a:pPr lvl="1"/>
@@ -3702,6 +3680,7 @@
               <a:rPr lang="en-US"/>
               <a:t>Second level</a:t>
             </a:r>
+            <a:endParaRPr lang="en-US"/>
           </a:p>
           <a:p>
             <a:pPr lvl="2"/>
@@ -3709,6 +3688,7 @@
               <a:rPr lang="en-US"/>
               <a:t>Third level</a:t>
             </a:r>
+            <a:endParaRPr lang="en-US"/>
           </a:p>
           <a:p>
             <a:pPr lvl="3"/>
@@ -3716,6 +3696,7 @@
               <a:rPr lang="en-US"/>
               <a:t>Fourth level</a:t>
             </a:r>
+            <a:endParaRPr lang="en-US"/>
           </a:p>
           <a:p>
             <a:pPr lvl="4"/>
@@ -3744,7 +3725,6 @@
           <a:p>
             <a:fld id="{DEEC94E7-E65E-4722-8564-756EC8416D2D}" type="datetimeFigureOut">
               <a:rPr lang="en-US" smtClean="0"/>
-              <a:t>7/30/2023</a:t>
             </a:fld>
             <a:endParaRPr lang="en-US"/>
           </a:p>
@@ -3786,18 +3766,12 @@
           <a:p>
             <a:fld id="{4465AA67-8623-4F1C-A9C2-BF022B7A9ECD}" type="slidenum">
               <a:rPr lang="en-US" smtClean="0"/>
-              <a:t>‹#›</a:t>
             </a:fld>
             <a:endParaRPr lang="en-US"/>
           </a:p>
         </p:txBody>
       </p:sp>
     </p:spTree>
-    <p:extLst>
-      <p:ext uri="{BB962C8B-B14F-4D97-AF65-F5344CB8AC3E}">
-        <p14:creationId xmlns:p14="http://schemas.microsoft.com/office/powerpoint/2010/main" val="2627195493"/>
-      </p:ext>
-    </p:extLst>
   </p:cSld>
   <p:clrMapOvr>
     <a:masterClrMapping/>
@@ -3872,7 +3846,7 @@
           <a:lstStyle>
             <a:lvl1pPr marL="0" indent="0">
               <a:spcBef>
-                <a:spcPts val="672"/>
+                <a:spcPts val="670"/>
               </a:spcBef>
               <a:spcAft>
                 <a:spcPts val="600"/>
@@ -3923,6 +3897,7 @@
               <a:rPr lang="en-US"/>
               <a:t>Edit Master text styles</a:t>
             </a:r>
+            <a:endParaRPr lang="en-US"/>
           </a:p>
         </p:txBody>
       </p:sp>
@@ -3953,6 +3928,7 @@
               <a:rPr lang="en-US"/>
               <a:t>Edit Master text styles</a:t>
             </a:r>
+            <a:endParaRPr lang="en-US"/>
           </a:p>
           <a:p>
             <a:pPr lvl="1"/>
@@ -3960,6 +3936,7 @@
               <a:rPr lang="en-US"/>
               <a:t>Second level</a:t>
             </a:r>
+            <a:endParaRPr lang="en-US"/>
           </a:p>
           <a:p>
             <a:pPr lvl="2"/>
@@ -3967,6 +3944,7 @@
               <a:rPr lang="en-US"/>
               <a:t>Third level</a:t>
             </a:r>
+            <a:endParaRPr lang="en-US"/>
           </a:p>
           <a:p>
             <a:pPr lvl="3"/>
@@ -3974,6 +3952,7 @@
               <a:rPr lang="en-US"/>
               <a:t>Fourth level</a:t>
             </a:r>
+            <a:endParaRPr lang="en-US"/>
           </a:p>
           <a:p>
             <a:pPr lvl="4"/>
@@ -4008,7 +3987,7 @@
           <a:lstStyle>
             <a:lvl1pPr marL="0" indent="0">
               <a:spcBef>
-                <a:spcPts val="672"/>
+                <a:spcPts val="670"/>
               </a:spcBef>
               <a:spcAft>
                 <a:spcPts val="600"/>
@@ -4059,6 +4038,7 @@
               <a:rPr lang="en-US"/>
               <a:t>Edit Master text styles</a:t>
             </a:r>
+            <a:endParaRPr lang="en-US"/>
           </a:p>
         </p:txBody>
       </p:sp>
@@ -4089,6 +4069,7 @@
               <a:rPr lang="en-US"/>
               <a:t>Edit Master text styles</a:t>
             </a:r>
+            <a:endParaRPr lang="en-US"/>
           </a:p>
           <a:p>
             <a:pPr lvl="1"/>
@@ -4096,6 +4077,7 @@
               <a:rPr lang="en-US"/>
               <a:t>Second level</a:t>
             </a:r>
+            <a:endParaRPr lang="en-US"/>
           </a:p>
           <a:p>
             <a:pPr lvl="2"/>
@@ -4103,6 +4085,7 @@
               <a:rPr lang="en-US"/>
               <a:t>Third level</a:t>
             </a:r>
+            <a:endParaRPr lang="en-US"/>
           </a:p>
           <a:p>
             <a:pPr lvl="3"/>
@@ -4110,6 +4093,7 @@
               <a:rPr lang="en-US"/>
               <a:t>Fourth level</a:t>
             </a:r>
+            <a:endParaRPr lang="en-US"/>
           </a:p>
           <a:p>
             <a:pPr lvl="4"/>
@@ -4138,7 +4122,6 @@
           <a:p>
             <a:fld id="{DEEC94E7-E65E-4722-8564-756EC8416D2D}" type="datetimeFigureOut">
               <a:rPr lang="en-US" smtClean="0"/>
-              <a:t>7/30/2023</a:t>
             </a:fld>
             <a:endParaRPr lang="en-US"/>
           </a:p>
@@ -4180,7 +4163,6 @@
           <a:p>
             <a:fld id="{4465AA67-8623-4F1C-A9C2-BF022B7A9ECD}" type="slidenum">
               <a:rPr lang="en-US" smtClean="0"/>
-              <a:t>‹#›</a:t>
             </a:fld>
             <a:endParaRPr lang="en-US"/>
           </a:p>
@@ -4218,11 +4200,6 @@
         </p:style>
       </p:cxnSp>
     </p:spTree>
-    <p:extLst>
-      <p:ext uri="{BB962C8B-B14F-4D97-AF65-F5344CB8AC3E}">
-        <p14:creationId xmlns:p14="http://schemas.microsoft.com/office/powerpoint/2010/main" val="4028118799"/>
-      </p:ext>
-    </p:extLst>
   </p:cSld>
   <p:clrMapOvr>
     <a:masterClrMapping/>
@@ -4287,7 +4264,6 @@
           <a:p>
             <a:fld id="{DEEC94E7-E65E-4722-8564-756EC8416D2D}" type="datetimeFigureOut">
               <a:rPr lang="en-US" smtClean="0"/>
-              <a:t>7/30/2023</a:t>
             </a:fld>
             <a:endParaRPr lang="en-US"/>
           </a:p>
@@ -4329,7 +4305,6 @@
           <a:p>
             <a:fld id="{4465AA67-8623-4F1C-A9C2-BF022B7A9ECD}" type="slidenum">
               <a:rPr lang="en-US" smtClean="0"/>
-              <a:t>‹#›</a:t>
             </a:fld>
             <a:endParaRPr lang="en-US"/>
           </a:p>
@@ -4367,11 +4342,6 @@
         </p:style>
       </p:cxnSp>
     </p:spTree>
-    <p:extLst>
-      <p:ext uri="{BB962C8B-B14F-4D97-AF65-F5344CB8AC3E}">
-        <p14:creationId xmlns:p14="http://schemas.microsoft.com/office/powerpoint/2010/main" val="52534418"/>
-      </p:ext>
-    </p:extLst>
   </p:cSld>
   <p:clrMapOvr>
     <a:masterClrMapping/>
@@ -4413,7 +4383,6 @@
           <a:p>
             <a:fld id="{DEEC94E7-E65E-4722-8564-756EC8416D2D}" type="datetimeFigureOut">
               <a:rPr lang="en-US" smtClean="0"/>
-              <a:t>7/30/2023</a:t>
             </a:fld>
             <a:endParaRPr lang="en-US"/>
           </a:p>
@@ -4455,18 +4424,12 @@
           <a:p>
             <a:fld id="{4465AA67-8623-4F1C-A9C2-BF022B7A9ECD}" type="slidenum">
               <a:rPr lang="en-US" smtClean="0"/>
-              <a:t>‹#›</a:t>
             </a:fld>
             <a:endParaRPr lang="en-US"/>
           </a:p>
         </p:txBody>
       </p:sp>
     </p:spTree>
-    <p:extLst>
-      <p:ext uri="{BB962C8B-B14F-4D97-AF65-F5344CB8AC3E}">
-        <p14:creationId xmlns:p14="http://schemas.microsoft.com/office/powerpoint/2010/main" val="310729790"/>
-      </p:ext>
-    </p:extLst>
   </p:cSld>
   <p:clrMapOvr>
     <a:masterClrMapping/>
@@ -4552,6 +4515,7 @@
               <a:rPr lang="en-US"/>
               <a:t>Edit Master text styles</a:t>
             </a:r>
+            <a:endParaRPr lang="en-US"/>
           </a:p>
           <a:p>
             <a:pPr lvl="1"/>
@@ -4559,6 +4523,7 @@
               <a:rPr lang="en-US"/>
               <a:t>Second level</a:t>
             </a:r>
+            <a:endParaRPr lang="en-US"/>
           </a:p>
           <a:p>
             <a:pPr lvl="2"/>
@@ -4566,6 +4531,7 @@
               <a:rPr lang="en-US"/>
               <a:t>Third level</a:t>
             </a:r>
+            <a:endParaRPr lang="en-US"/>
           </a:p>
           <a:p>
             <a:pPr lvl="3"/>
@@ -4573,6 +4539,7 @@
               <a:rPr lang="en-US"/>
               <a:t>Fourth level</a:t>
             </a:r>
+            <a:endParaRPr lang="en-US"/>
           </a:p>
           <a:p>
             <a:pPr lvl="4"/>
@@ -4648,6 +4615,7 @@
               <a:rPr lang="en-US"/>
               <a:t>Edit Master text styles</a:t>
             </a:r>
+            <a:endParaRPr lang="en-US"/>
           </a:p>
         </p:txBody>
       </p:sp>
@@ -4668,7 +4636,6 @@
           <a:p>
             <a:fld id="{DEEC94E7-E65E-4722-8564-756EC8416D2D}" type="datetimeFigureOut">
               <a:rPr lang="en-US" smtClean="0"/>
-              <a:t>7/30/2023</a:t>
             </a:fld>
             <a:endParaRPr lang="en-US"/>
           </a:p>
@@ -4710,7 +4677,6 @@
           <a:p>
             <a:fld id="{4465AA67-8623-4F1C-A9C2-BF022B7A9ECD}" type="slidenum">
               <a:rPr lang="en-US" smtClean="0"/>
-              <a:t>‹#›</a:t>
             </a:fld>
             <a:endParaRPr lang="en-US"/>
           </a:p>
@@ -4748,11 +4714,6 @@
         </p:style>
       </p:cxnSp>
     </p:spTree>
-    <p:extLst>
-      <p:ext uri="{BB962C8B-B14F-4D97-AF65-F5344CB8AC3E}">
-        <p14:creationId xmlns:p14="http://schemas.microsoft.com/office/powerpoint/2010/main" val="1612338184"/>
-      </p:ext>
-    </p:extLst>
   </p:cSld>
   <p:clrMapOvr>
     <a:masterClrMapping/>
@@ -4963,6 +4924,7 @@
               <a:rPr lang="en-US"/>
               <a:t>Edit Master text styles</a:t>
             </a:r>
+            <a:endParaRPr lang="en-US"/>
           </a:p>
         </p:txBody>
       </p:sp>
@@ -4983,7 +4945,6 @@
           <a:p>
             <a:fld id="{DEEC94E7-E65E-4722-8564-756EC8416D2D}" type="datetimeFigureOut">
               <a:rPr lang="en-US" smtClean="0"/>
-              <a:t>7/30/2023</a:t>
             </a:fld>
             <a:endParaRPr lang="en-US"/>
           </a:p>
@@ -5025,18 +4986,12 @@
           <a:p>
             <a:fld id="{4465AA67-8623-4F1C-A9C2-BF022B7A9ECD}" type="slidenum">
               <a:rPr lang="en-US" smtClean="0"/>
-              <a:t>‹#›</a:t>
             </a:fld>
             <a:endParaRPr lang="en-US"/>
           </a:p>
         </p:txBody>
       </p:sp>
     </p:spTree>
-    <p:extLst>
-      <p:ext uri="{BB962C8B-B14F-4D97-AF65-F5344CB8AC3E}">
-        <p14:creationId xmlns:p14="http://schemas.microsoft.com/office/powerpoint/2010/main" val="1324361227"/>
-      </p:ext>
-    </p:extLst>
   </p:cSld>
   <p:clrMapOvr>
     <a:masterClrMapping/>
@@ -5089,7 +5044,7 @@
             <p:nvPr/>
           </p:nvPicPr>
           <p:blipFill>
-            <a:blip r:embed="rId19">
+            <a:blip r:embed="rId18">
               <a:extLst>
                 <a:ext uri="{28A0092B-C50C-407E-A947-70E740481C1C}">
                   <a14:useLocalDpi xmlns:a14="http://schemas.microsoft.com/office/drawing/2010/main" val="0"/>
@@ -5153,7 +5108,7 @@
             <p:nvPr/>
           </p:nvPicPr>
           <p:blipFill rotWithShape="1">
-            <a:blip r:embed="rId20">
+            <a:blip r:embed="rId19">
               <a:extLst>
                 <a:ext uri="{28A0092B-C50C-407E-A947-70E740481C1C}">
                   <a14:useLocalDpi xmlns:a14="http://schemas.microsoft.com/office/drawing/2010/main" val="0"/>
@@ -5161,7 +5116,9 @@
               </a:extLst>
             </a:blip>
             <a:srcRect/>
-            <a:stretch/>
+            <a:stretch>
+              <a:fillRect/>
+            </a:stretch>
           </p:blipFill>
           <p:spPr>
             <a:xfrm>
@@ -5182,7 +5139,7 @@
             <p:nvPr/>
           </p:nvPicPr>
           <p:blipFill rotWithShape="1">
-            <a:blip r:embed="rId20">
+            <a:blip r:embed="rId19">
               <a:extLst>
                 <a:ext uri="{28A0092B-C50C-407E-A947-70E740481C1C}">
                   <a14:useLocalDpi xmlns:a14="http://schemas.microsoft.com/office/drawing/2010/main" val="0"/>
@@ -5190,7 +5147,9 @@
               </a:extLst>
             </a:blip>
             <a:srcRect/>
-            <a:stretch/>
+            <a:stretch>
+              <a:fillRect/>
+            </a:stretch>
           </p:blipFill>
           <p:spPr>
             <a:xfrm>
@@ -5267,6 +5226,7 @@
               <a:rPr lang="en-US"/>
               <a:t>Edit Master text styles</a:t>
             </a:r>
+            <a:endParaRPr lang="en-US"/>
           </a:p>
           <a:p>
             <a:pPr lvl="1"/>
@@ -5274,6 +5234,7 @@
               <a:rPr lang="en-US"/>
               <a:t>Second level</a:t>
             </a:r>
+            <a:endParaRPr lang="en-US"/>
           </a:p>
           <a:p>
             <a:pPr lvl="2"/>
@@ -5281,6 +5242,7 @@
               <a:rPr lang="en-US"/>
               <a:t>Third level</a:t>
             </a:r>
+            <a:endParaRPr lang="en-US"/>
           </a:p>
           <a:p>
             <a:pPr lvl="3"/>
@@ -5288,6 +5250,7 @@
               <a:rPr lang="en-US"/>
               <a:t>Fourth level</a:t>
             </a:r>
+            <a:endParaRPr lang="en-US"/>
           </a:p>
           <a:p>
             <a:pPr lvl="4"/>
@@ -5334,7 +5297,6 @@
           <a:p>
             <a:fld id="{DEEC94E7-E65E-4722-8564-756EC8416D2D}" type="datetimeFigureOut">
               <a:rPr lang="en-US" smtClean="0"/>
-              <a:t>7/30/2023</a:t>
             </a:fld>
             <a:endParaRPr lang="en-US"/>
           </a:p>
@@ -5412,38 +5374,32 @@
           <a:p>
             <a:fld id="{4465AA67-8623-4F1C-A9C2-BF022B7A9ECD}" type="slidenum">
               <a:rPr lang="en-US" smtClean="0"/>
-              <a:t>‹#›</a:t>
             </a:fld>
             <a:endParaRPr lang="en-US"/>
           </a:p>
         </p:txBody>
       </p:sp>
     </p:spTree>
-    <p:extLst>
-      <p:ext uri="{BB962C8B-B14F-4D97-AF65-F5344CB8AC3E}">
-        <p14:creationId xmlns:p14="http://schemas.microsoft.com/office/powerpoint/2010/main" val="3462228863"/>
-      </p:ext>
-    </p:extLst>
   </p:cSld>
   <p:clrMap bg1="lt1" tx1="dk1" bg2="lt2" tx2="dk2" accent1="accent1" accent2="accent2" accent3="accent3" accent4="accent4" accent5="accent5" accent6="accent6" hlink="hlink" folHlink="folHlink"/>
   <p:sldLayoutIdLst>
-    <p:sldLayoutId id="2147483661" r:id="rId1"/>
-    <p:sldLayoutId id="2147483662" r:id="rId2"/>
-    <p:sldLayoutId id="2147483663" r:id="rId3"/>
-    <p:sldLayoutId id="2147483664" r:id="rId4"/>
-    <p:sldLayoutId id="2147483665" r:id="rId5"/>
-    <p:sldLayoutId id="2147483666" r:id="rId6"/>
-    <p:sldLayoutId id="2147483667" r:id="rId7"/>
-    <p:sldLayoutId id="2147483668" r:id="rId8"/>
-    <p:sldLayoutId id="2147483669" r:id="rId9"/>
-    <p:sldLayoutId id="2147483670" r:id="rId10"/>
-    <p:sldLayoutId id="2147483671" r:id="rId11"/>
-    <p:sldLayoutId id="2147483672" r:id="rId12"/>
-    <p:sldLayoutId id="2147483673" r:id="rId13"/>
-    <p:sldLayoutId id="2147483674" r:id="rId14"/>
-    <p:sldLayoutId id="2147483675" r:id="rId15"/>
-    <p:sldLayoutId id="2147483676" r:id="rId16"/>
-    <p:sldLayoutId id="2147483677" r:id="rId17"/>
+    <p:sldLayoutId id="2147483649" r:id="rId1"/>
+    <p:sldLayoutId id="2147483650" r:id="rId2"/>
+    <p:sldLayoutId id="2147483651" r:id="rId3"/>
+    <p:sldLayoutId id="2147483652" r:id="rId4"/>
+    <p:sldLayoutId id="2147483653" r:id="rId5"/>
+    <p:sldLayoutId id="2147483654" r:id="rId6"/>
+    <p:sldLayoutId id="2147483655" r:id="rId7"/>
+    <p:sldLayoutId id="2147483656" r:id="rId8"/>
+    <p:sldLayoutId id="2147483657" r:id="rId9"/>
+    <p:sldLayoutId id="2147483658" r:id="rId10"/>
+    <p:sldLayoutId id="2147483659" r:id="rId11"/>
+    <p:sldLayoutId id="2147483660" r:id="rId12"/>
+    <p:sldLayoutId id="2147483661" r:id="rId13"/>
+    <p:sldLayoutId id="2147483662" r:id="rId14"/>
+    <p:sldLayoutId id="2147483663" r:id="rId15"/>
+    <p:sldLayoutId id="2147483664" r:id="rId16"/>
+    <p:sldLayoutId id="2147483665" r:id="rId17"/>
   </p:sldLayoutIdLst>
   <p:txStyles>
     <p:titleStyle>
@@ -5537,7 +5493,7 @@
           <a:schemeClr val="accent1"/>
         </a:buClr>
         <a:buSzPct val="115000"/>
-        <a:buFont typeface="Arial"/>
+        <a:buFont typeface="Arial" panose="020B0604020202020204"/>
         <a:buChar char="•"/>
         <a:defRPr sz="2400" kern="1200" cap="none">
           <a:solidFill>
@@ -5563,7 +5519,7 @@
           <a:schemeClr val="accent1"/>
         </a:buClr>
         <a:buSzPct val="115000"/>
-        <a:buFont typeface="Arial"/>
+        <a:buFont typeface="Arial" panose="020B0604020202020204"/>
         <a:buChar char="•"/>
         <a:defRPr sz="2000" kern="1200" cap="none">
           <a:solidFill>
@@ -5589,7 +5545,7 @@
           <a:schemeClr val="accent1"/>
         </a:buClr>
         <a:buSzPct val="115000"/>
-        <a:buFont typeface="Arial"/>
+        <a:buFont typeface="Arial" panose="020B0604020202020204"/>
         <a:buChar char="•"/>
         <a:defRPr sz="1800" kern="1200" cap="none">
           <a:solidFill>
@@ -5615,7 +5571,7 @@
           <a:schemeClr val="accent1"/>
         </a:buClr>
         <a:buSzPct val="115000"/>
-        <a:buFont typeface="Arial"/>
+        <a:buFont typeface="Arial" panose="020B0604020202020204"/>
         <a:buChar char="•"/>
         <a:defRPr sz="1600" kern="1200" cap="none">
           <a:solidFill>
@@ -5641,7 +5597,7 @@
           <a:schemeClr val="accent1"/>
         </a:buClr>
         <a:buSzPct val="115000"/>
-        <a:buFont typeface="Arial"/>
+        <a:buFont typeface="Arial" panose="020B0604020202020204"/>
         <a:buChar char="•"/>
         <a:defRPr sz="1400" kern="1200" cap="none">
           <a:solidFill>
@@ -5667,7 +5623,7 @@
           <a:schemeClr val="accent1"/>
         </a:buClr>
         <a:buSzPct val="115000"/>
-        <a:buFont typeface="Arial"/>
+        <a:buFont typeface="Arial" panose="020B0604020202020204"/>
         <a:buChar char="•"/>
         <a:defRPr sz="1400" kern="1200" cap="none">
           <a:solidFill>
@@ -5693,7 +5649,7 @@
           <a:schemeClr val="accent1"/>
         </a:buClr>
         <a:buSzPct val="115000"/>
-        <a:buFont typeface="Arial"/>
+        <a:buFont typeface="Arial" panose="020B0604020202020204"/>
         <a:buChar char="•"/>
         <a:defRPr sz="1400" kern="1200" cap="none">
           <a:solidFill>
@@ -5719,7 +5675,7 @@
           <a:schemeClr val="accent1"/>
         </a:buClr>
         <a:buSzPct val="115000"/>
-        <a:buFont typeface="Arial"/>
+        <a:buFont typeface="Arial" panose="020B0604020202020204"/>
         <a:buChar char="•"/>
         <a:defRPr sz="1400" kern="1200" cap="none">
           <a:solidFill>
@@ -5745,7 +5701,7 @@
           <a:schemeClr val="accent1"/>
         </a:buClr>
         <a:buSzPct val="115000"/>
-        <a:buFont typeface="Arial"/>
+        <a:buFont typeface="Arial" panose="020B0604020202020204"/>
         <a:buChar char="•"/>
         <a:defRPr sz="1400" kern="1200" cap="none">
           <a:solidFill>
@@ -5901,15 +5857,11 @@
               <a:rPr lang="en-US" dirty="0"/>
               <a:t>Cascading Style Sheets (CSS)</a:t>
             </a:r>
+            <a:endParaRPr lang="en-US" dirty="0"/>
           </a:p>
         </p:txBody>
       </p:sp>
     </p:spTree>
-    <p:extLst>
-      <p:ext uri="{BB962C8B-B14F-4D97-AF65-F5344CB8AC3E}">
-        <p14:creationId xmlns:p14="http://schemas.microsoft.com/office/powerpoint/2010/main" val="3225144741"/>
-      </p:ext>
-    </p:extLst>
   </p:cSld>
   <p:clrMapOvr>
     <a:masterClrMapping/>
@@ -6093,6 +6045,7 @@
               <a:rPr lang="en-US"/>
               <a:t>Position</a:t>
             </a:r>
+            <a:endParaRPr lang="en-US"/>
           </a:p>
         </p:txBody>
       </p:sp>
@@ -6115,30 +6068,35 @@
               <a:rPr lang="en-US"/>
               <a:t>static</a:t>
             </a:r>
+            <a:endParaRPr lang="en-US"/>
           </a:p>
           <a:p>
             <a:r>
               <a:rPr lang="en-US"/>
               <a:t>relative</a:t>
             </a:r>
+            <a:endParaRPr lang="en-US"/>
           </a:p>
           <a:p>
             <a:r>
               <a:rPr lang="en-US"/>
               <a:t>absolute</a:t>
             </a:r>
+            <a:endParaRPr lang="en-US"/>
           </a:p>
           <a:p>
             <a:r>
               <a:rPr lang="en-US"/>
               <a:t>fixed</a:t>
             </a:r>
+            <a:endParaRPr lang="en-US"/>
           </a:p>
           <a:p>
             <a:r>
               <a:rPr lang="en-US"/>
               <a:t>sticky</a:t>
             </a:r>
+            <a:endParaRPr lang="en-US"/>
           </a:p>
         </p:txBody>
       </p:sp>
@@ -6186,18 +6144,13 @@
               <a:rPr lang="en-US" dirty="0"/>
               <a:t>Introduction</a:t>
             </a:r>
+            <a:endParaRPr lang="en-US" dirty="0"/>
           </a:p>
         </p:txBody>
       </p:sp>
       <p:pic>
         <p:nvPicPr>
-          <p:cNvPr id="4" name="Content Placeholder 3">
-            <a:extLst>
-              <a:ext uri="{FF2B5EF4-FFF2-40B4-BE49-F238E27FC236}">
-                <a16:creationId xmlns:a16="http://schemas.microsoft.com/office/drawing/2014/main" id="{72B9C8D3-04E9-436F-9E0E-A6B4A4F46467}"/>
-              </a:ext>
-            </a:extLst>
-          </p:cNvPr>
+          <p:cNvPr id="4" name="Content Placeholder 3"/>
           <p:cNvPicPr>
             <a:picLocks noGrp="1" noChangeAspect="1"/>
           </p:cNvPicPr>
@@ -6206,9 +6159,11 @@
           </p:nvPr>
         </p:nvPicPr>
         <p:blipFill rotWithShape="1">
-          <a:blip r:embed="rId2"/>
+          <a:blip r:embed="rId1"/>
           <a:srcRect t="3572"/>
-          <a:stretch/>
+          <a:stretch>
+            <a:fillRect/>
+          </a:stretch>
         </p:blipFill>
         <p:spPr>
           <a:xfrm>
@@ -6221,11 +6176,6 @@
         </p:spPr>
       </p:pic>
     </p:spTree>
-    <p:extLst>
-      <p:ext uri="{BB962C8B-B14F-4D97-AF65-F5344CB8AC3E}">
-        <p14:creationId xmlns:p14="http://schemas.microsoft.com/office/powerpoint/2010/main" val="3799505650"/>
-      </p:ext>
-    </p:extLst>
   </p:cSld>
   <p:clrMapOvr>
     <a:masterClrMapping/>
@@ -6271,6 +6221,7 @@
               <a:rPr lang="en-US" dirty="0"/>
               <a:t>Basic</a:t>
             </a:r>
+            <a:endParaRPr lang="en-US" dirty="0"/>
           </a:p>
         </p:txBody>
       </p:sp>
@@ -6300,12 +6251,14 @@
               <a:rPr lang="en-US" dirty="0"/>
               <a:t>color</a:t>
             </a:r>
+            <a:endParaRPr lang="en-US" dirty="0"/>
           </a:p>
           <a:p>
             <a:r>
               <a:rPr lang="en-US" dirty="0"/>
               <a:t>background</a:t>
             </a:r>
+            <a:endParaRPr lang="en-US" dirty="0"/>
           </a:p>
           <a:p>
             <a:pPr lvl="1"/>
@@ -6313,6 +6266,7 @@
               <a:rPr lang="en-US" dirty="0"/>
               <a:t>background-color</a:t>
             </a:r>
+            <a:endParaRPr lang="en-US" dirty="0"/>
           </a:p>
           <a:p>
             <a:pPr lvl="1"/>
@@ -6320,6 +6274,7 @@
               <a:rPr lang="en-US" dirty="0"/>
               <a:t>background-image</a:t>
             </a:r>
+            <a:endParaRPr lang="en-US" dirty="0"/>
           </a:p>
         </p:txBody>
       </p:sp>
@@ -6403,12 +6358,14 @@
               <a:rPr lang="en-US" dirty="0"/>
               <a:t>transparent</a:t>
             </a:r>
+            <a:endParaRPr lang="en-US" dirty="0"/>
           </a:p>
           <a:p>
             <a:r>
               <a:rPr lang="en-US" dirty="0"/>
               <a:t>hex : #778a9a </a:t>
             </a:r>
+            <a:endParaRPr lang="en-US" dirty="0"/>
           </a:p>
           <a:p>
             <a:r>
@@ -6421,21 +6378,17 @@
             </a:r>
             <a:r>
               <a:rPr lang="en-US" dirty="0" err="1"/>
-              <a:t>rgb</a:t>
+              <a:t>rgba</a:t>
             </a:r>
             <a:r>
               <a:rPr lang="en-US" dirty="0"/>
               <a:t>(119,138,154,0.8)</a:t>
             </a:r>
+            <a:endParaRPr lang="en-US" dirty="0"/>
           </a:p>
         </p:txBody>
       </p:sp>
     </p:spTree>
-    <p:extLst>
-      <p:ext uri="{BB962C8B-B14F-4D97-AF65-F5344CB8AC3E}">
-        <p14:creationId xmlns:p14="http://schemas.microsoft.com/office/powerpoint/2010/main" val="3794515345"/>
-      </p:ext>
-    </p:extLst>
   </p:cSld>
   <p:clrMapOvr>
     <a:masterClrMapping/>
@@ -6481,6 +6434,7 @@
               <a:rPr lang="en-US" dirty="0"/>
               <a:t>Border</a:t>
             </a:r>
+            <a:endParaRPr lang="en-US" dirty="0"/>
           </a:p>
         </p:txBody>
       </p:sp>
@@ -6510,6 +6464,7 @@
               <a:rPr lang="en-US" dirty="0"/>
               <a:t>Object border</a:t>
             </a:r>
+            <a:endParaRPr lang="en-US" dirty="0"/>
           </a:p>
           <a:p>
             <a:pPr lvl="1"/>
@@ -6517,6 +6472,7 @@
               <a:rPr lang="en-US" dirty="0"/>
               <a:t>Border-width</a:t>
             </a:r>
+            <a:endParaRPr lang="en-US" dirty="0"/>
           </a:p>
           <a:p>
             <a:pPr lvl="1"/>
@@ -6524,6 +6480,7 @@
               <a:rPr lang="en-US" dirty="0"/>
               <a:t>Border-color</a:t>
             </a:r>
+            <a:endParaRPr lang="en-US" dirty="0"/>
           </a:p>
           <a:p>
             <a:pPr lvl="1"/>
@@ -6531,6 +6488,7 @@
               <a:rPr lang="en-US" dirty="0"/>
               <a:t>Border-style</a:t>
             </a:r>
+            <a:endParaRPr lang="en-US" dirty="0"/>
           </a:p>
           <a:p>
             <a:pPr lvl="1"/>
@@ -6538,12 +6496,14 @@
               <a:rPr lang="en-US" dirty="0"/>
               <a:t>Border-radius</a:t>
             </a:r>
+            <a:endParaRPr lang="en-US" dirty="0"/>
           </a:p>
           <a:p>
             <a:r>
               <a:rPr lang="en-US" dirty="0"/>
               <a:t>Text border</a:t>
             </a:r>
+            <a:endParaRPr lang="en-US" dirty="0"/>
           </a:p>
           <a:p>
             <a:pPr lvl="1"/>
@@ -6559,15 +6519,11 @@
               <a:rPr lang="en-US" dirty="0"/>
               <a:t>-text-stroke</a:t>
             </a:r>
+            <a:endParaRPr lang="en-US" dirty="0"/>
           </a:p>
         </p:txBody>
       </p:sp>
     </p:spTree>
-    <p:extLst>
-      <p:ext uri="{BB962C8B-B14F-4D97-AF65-F5344CB8AC3E}">
-        <p14:creationId xmlns:p14="http://schemas.microsoft.com/office/powerpoint/2010/main" val="464333282"/>
-      </p:ext>
-    </p:extLst>
   </p:cSld>
   <p:clrMapOvr>
     <a:masterClrMapping/>
@@ -6613,6 +6569,7 @@
               <a:rPr lang="en-US" dirty="0"/>
               <a:t>Display</a:t>
             </a:r>
+            <a:endParaRPr lang="en-US" dirty="0"/>
           </a:p>
         </p:txBody>
       </p:sp>
@@ -6642,39 +6599,39 @@
               <a:rPr lang="en-US" dirty="0"/>
               <a:t>block</a:t>
             </a:r>
+            <a:endParaRPr lang="en-US" dirty="0"/>
           </a:p>
           <a:p>
             <a:r>
               <a:rPr lang="en-US" dirty="0"/>
               <a:t>inline</a:t>
             </a:r>
+            <a:endParaRPr lang="en-US" dirty="0"/>
           </a:p>
           <a:p>
             <a:r>
               <a:rPr lang="en-US" dirty="0"/>
               <a:t>flex</a:t>
             </a:r>
+            <a:endParaRPr lang="en-US" dirty="0"/>
           </a:p>
           <a:p>
             <a:r>
               <a:rPr lang="en-US" dirty="0"/>
               <a:t>grid</a:t>
             </a:r>
+            <a:endParaRPr lang="en-US" dirty="0"/>
           </a:p>
           <a:p>
             <a:r>
               <a:rPr lang="en-US" dirty="0"/>
               <a:t>none</a:t>
             </a:r>
+            <a:endParaRPr lang="en-US" dirty="0"/>
           </a:p>
         </p:txBody>
       </p:sp>
     </p:spTree>
-    <p:extLst>
-      <p:ext uri="{BB962C8B-B14F-4D97-AF65-F5344CB8AC3E}">
-        <p14:creationId xmlns:p14="http://schemas.microsoft.com/office/powerpoint/2010/main" val="1776013970"/>
-      </p:ext>
-    </p:extLst>
   </p:cSld>
   <p:clrMapOvr>
     <a:masterClrMapping/>
@@ -6758,6 +6715,7 @@
               <a:rPr lang="en-US" sz="2200" dirty="0"/>
               <a:t>;</a:t>
             </a:r>
+            <a:endParaRPr lang="en-US" sz="2200" dirty="0"/>
           </a:p>
           <a:p>
             <a:r>
@@ -6772,12 +6730,14 @@
               <a:rPr lang="en-US" sz="2200" dirty="0"/>
               <a:t>;</a:t>
             </a:r>
+            <a:endParaRPr lang="en-US" sz="2200" dirty="0"/>
           </a:p>
           <a:p>
             <a:r>
               <a:rPr lang="en-US" sz="2200" dirty="0"/>
               <a:t>align-content:center|flex-start|flex-end|space-around|space-between|stretch;</a:t>
             </a:r>
+            <a:endParaRPr lang="en-US" sz="2200" dirty="0"/>
           </a:p>
           <a:p>
             <a:r>
@@ -6794,6 +6754,7 @@
               <a:rPr lang="en-US" sz="2200" dirty="0"/>
               <a:t>space-evenly;</a:t>
             </a:r>
+            <a:endParaRPr lang="en-US" sz="2200" dirty="0"/>
           </a:p>
           <a:p>
             <a:r>
@@ -6810,6 +6771,7 @@
               <a:rPr lang="en-US" sz="2200" dirty="0"/>
               <a:t>;</a:t>
             </a:r>
+            <a:endParaRPr lang="en-US" sz="2200" dirty="0"/>
           </a:p>
           <a:p>
             <a:r>
@@ -6900,6 +6862,9 @@
               </a:rPr>
               <a:t>grid-template-columns:1fr|2fr|auto|200px|repeat(3,1fr)</a:t>
             </a:r>
+            <a:endParaRPr lang="en-US" dirty="0">
+              <a:cs typeface="Arial" panose="020B0604020202020204" pitchFamily="34" charset="0"/>
+            </a:endParaRPr>
           </a:p>
           <a:p>
             <a:r>
@@ -6926,6 +6891,9 @@
               </a:rPr>
               <a:t>grid-gap:size</a:t>
             </a:r>
+            <a:endParaRPr lang="en-US" dirty="0">
+              <a:cs typeface="Arial" panose="020B0604020202020204" pitchFamily="34" charset="0"/>
+            </a:endParaRPr>
           </a:p>
           <a:p>
             <a:r>
@@ -6958,6 +6926,9 @@
               </a:rPr>
               <a:t>’</a:t>
             </a:r>
+            <a:endParaRPr lang="en-US" dirty="0">
+              <a:cs typeface="Arial" panose="020B0604020202020204" pitchFamily="34" charset="0"/>
+            </a:endParaRPr>
           </a:p>
         </p:txBody>
       </p:sp>
@@ -7143,7 +7114,7 @@
     </a:clrScheme>
     <a:fontScheme name="Organic">
       <a:majorFont>
-        <a:latin typeface="Garamond" panose="02020404030301010803"/>
+        <a:latin typeface="Garamond"/>
         <a:ea typeface=""/>
         <a:cs typeface=""/>
         <a:font script="Jpan" typeface="ＭＳ Ｐゴシック"/>
@@ -7178,7 +7149,7 @@
         <a:font script="Geor" typeface="Sylfaen"/>
       </a:majorFont>
       <a:minorFont>
-        <a:latin typeface="Garamond" panose="02020404030301010803"/>
+        <a:latin typeface="Garamond"/>
         <a:ea typeface=""/>
         <a:cs typeface=""/>
         <a:font script="Jpan" typeface="ＭＳ Ｐ明朝"/>
@@ -7318,16 +7289,16 @@
         </a:gradFill>
         <a:blipFill>
           <a:blip xmlns:r="http://schemas.openxmlformats.org/officeDocument/2006/relationships" r:embed="rId2"/>
-          <a:stretch/>
+          <a:stretch>
+            <a:fillRect/>
+          </a:stretch>
         </a:blipFill>
       </a:bgFillStyleLst>
     </a:fmtScheme>
   </a:themeElements>
-  <a:objectDefaults/>
-  <a:extraClrSchemeLst/>
   <a:extLst>
     <a:ext uri="{05A4C25C-085E-4340-85A3-A5531E510DB2}">
-      <thm15:themeFamily xmlns:thm15="http://schemas.microsoft.com/office/thememl/2012/main" name="Organic" id="{28CDC826-8792-45C0-861B-85EB3ADEDA33}" vid="{7DAC20F1-423D-49E2-BD0B-50532748BAD0}"/>
+      <thm15:themeFamily xmlns:thm15="http://schemas.microsoft.com/office/thememl/2012/main" name="Office Theme" id="{62F939B6-93AF-4DB8-9C6B-D6C7DFDC589F}" vid="{4A3C46E8-61CC-4603-A589-7422A47A8E4A}"/>
     </a:ext>
   </a:extLst>
 </a:theme>
